--- a/Documenti/Presentazione_Gestione Apiario.pptx
+++ b/Documenti/Presentazione_Gestione Apiario.pptx
@@ -5550,7 +5550,7 @@
         </p:blipFill>
         <p:spPr>
           <a:xfrm>
-            <a:off x="834216" y="1700808"/>
+            <a:off x="966667" y="1700808"/>
             <a:ext cx="9937104" cy="4778544"/>
           </a:xfrm>
         </p:spPr>
@@ -5565,13 +5565,13 @@
   <p:clrMapOvr>
     <a:masterClrMapping/>
   </p:clrMapOvr>
-  <mc:AlternateContent xmlns:mc="http://schemas.openxmlformats.org/markup-compatibility/2006">
-    <mc:Choice xmlns:p14="http://schemas.microsoft.com/office/powerpoint/2010/main" Requires="p14">
+  <mc:AlternateContent xmlns:mc="http://schemas.openxmlformats.org/markup-compatibility/2006" xmlns:p14="http://schemas.microsoft.com/office/powerpoint/2010/main">
+    <mc:Choice Requires="p14">
       <p:transition spd="med" p14:dur="700">
         <p:fade/>
       </p:transition>
     </mc:Choice>
-    <mc:Fallback>
+    <mc:Fallback xmlns="">
       <p:transition spd="med">
         <p:fade/>
       </p:transition>
@@ -5651,7 +5651,7 @@
         </p:blipFill>
         <p:spPr>
           <a:xfrm>
-            <a:off x="3070075" y="1700808"/>
+            <a:off x="3039215" y="1700808"/>
             <a:ext cx="6110393" cy="4752528"/>
           </a:xfrm>
         </p:spPr>
@@ -5666,13 +5666,13 @@
   <p:clrMapOvr>
     <a:masterClrMapping/>
   </p:clrMapOvr>
-  <mc:AlternateContent xmlns:mc="http://schemas.openxmlformats.org/markup-compatibility/2006">
-    <mc:Choice xmlns:p14="http://schemas.microsoft.com/office/powerpoint/2010/main" Requires="p14">
+  <mc:AlternateContent xmlns:mc="http://schemas.openxmlformats.org/markup-compatibility/2006" xmlns:p14="http://schemas.microsoft.com/office/powerpoint/2010/main">
+    <mc:Choice Requires="p14">
       <p:transition spd="med" p14:dur="700">
         <p:fade/>
       </p:transition>
     </mc:Choice>
-    <mc:Fallback>
+    <mc:Fallback xmlns="">
       <p:transition spd="med">
         <p:fade/>
       </p:transition>
@@ -5752,7 +5752,7 @@
         </p:blipFill>
         <p:spPr>
           <a:xfrm>
-            <a:off x="2926060" y="1700808"/>
+            <a:off x="3184679" y="1700808"/>
             <a:ext cx="5819466" cy="4495800"/>
           </a:xfrm>
         </p:spPr>
@@ -5767,13 +5767,13 @@
   <p:clrMapOvr>
     <a:masterClrMapping/>
   </p:clrMapOvr>
-  <mc:AlternateContent xmlns:mc="http://schemas.openxmlformats.org/markup-compatibility/2006">
-    <mc:Choice xmlns:p14="http://schemas.microsoft.com/office/powerpoint/2010/main" Requires="p14">
+  <mc:AlternateContent xmlns:mc="http://schemas.openxmlformats.org/markup-compatibility/2006" xmlns:p14="http://schemas.microsoft.com/office/powerpoint/2010/main">
+    <mc:Choice Requires="p14">
       <p:transition spd="med" p14:dur="700">
         <p:fade/>
       </p:transition>
     </mc:Choice>
-    <mc:Fallback>
+    <mc:Fallback xmlns="">
       <p:transition spd="med">
         <p:fade/>
       </p:transition>
@@ -5868,13 +5868,13 @@
   <p:clrMapOvr>
     <a:masterClrMapping/>
   </p:clrMapOvr>
-  <mc:AlternateContent xmlns:mc="http://schemas.openxmlformats.org/markup-compatibility/2006">
-    <mc:Choice xmlns:p14="http://schemas.microsoft.com/office/powerpoint/2010/main" Requires="p14">
+  <mc:AlternateContent xmlns:mc="http://schemas.openxmlformats.org/markup-compatibility/2006" xmlns:p14="http://schemas.microsoft.com/office/powerpoint/2010/main">
+    <mc:Choice Requires="p14">
       <p:transition spd="med" p14:dur="700">
         <p:fade/>
       </p:transition>
     </mc:Choice>
-    <mc:Fallback>
+    <mc:Fallback xmlns="">
       <p:transition spd="med">
         <p:fade/>
       </p:transition>
@@ -5969,13 +5969,13 @@
   <p:clrMapOvr>
     <a:masterClrMapping/>
   </p:clrMapOvr>
-  <mc:AlternateContent xmlns:mc="http://schemas.openxmlformats.org/markup-compatibility/2006">
-    <mc:Choice xmlns:p14="http://schemas.microsoft.com/office/powerpoint/2010/main" Requires="p14">
+  <mc:AlternateContent xmlns:mc="http://schemas.openxmlformats.org/markup-compatibility/2006" xmlns:p14="http://schemas.microsoft.com/office/powerpoint/2010/main">
+    <mc:Choice Requires="p14">
       <p:transition spd="med" p14:dur="700">
         <p:fade/>
       </p:transition>
     </mc:Choice>
-    <mc:Fallback>
+    <mc:Fallback xmlns="">
       <p:transition spd="med">
         <p:fade/>
       </p:transition>
@@ -6080,7 +6080,7 @@
             <a:pPr algn="ctr"/>
             <a:r>
               <a:rPr lang="it-CH" sz="2000" dirty="0"/>
-              <a:t>Export dati</a:t>
+              <a:t>Export Diari</a:t>
             </a:r>
           </a:p>
         </p:txBody>
@@ -6095,13 +6095,13 @@
   <p:clrMapOvr>
     <a:masterClrMapping/>
   </p:clrMapOvr>
-  <mc:AlternateContent xmlns:mc="http://schemas.openxmlformats.org/markup-compatibility/2006">
-    <mc:Choice xmlns:p14="http://schemas.microsoft.com/office/powerpoint/2010/main" Requires="p14">
+  <mc:AlternateContent xmlns:mc="http://schemas.openxmlformats.org/markup-compatibility/2006" xmlns:p14="http://schemas.microsoft.com/office/powerpoint/2010/main">
+    <mc:Choice Requires="p14">
       <p:transition spd="med" p14:dur="700">
         <p:fade/>
       </p:transition>
     </mc:Choice>
-    <mc:Fallback>
+    <mc:Fallback xmlns="">
       <p:transition spd="med">
         <p:fade/>
       </p:transition>
@@ -6204,13 +6204,13 @@
   <p:clrMapOvr>
     <a:masterClrMapping/>
   </p:clrMapOvr>
-  <mc:AlternateContent xmlns:mc="http://schemas.openxmlformats.org/markup-compatibility/2006">
-    <mc:Choice xmlns:p14="http://schemas.microsoft.com/office/powerpoint/2010/main" Requires="p14">
+  <mc:AlternateContent xmlns:mc="http://schemas.openxmlformats.org/markup-compatibility/2006" xmlns:p14="http://schemas.microsoft.com/office/powerpoint/2010/main">
+    <mc:Choice Requires="p14">
       <p:transition spd="med" p14:dur="700">
         <p:fade/>
       </p:transition>
     </mc:Choice>
-    <mc:Fallback>
+    <mc:Fallback xmlns="">
       <p:transition spd="med">
         <p:fade/>
       </p:transition>
@@ -6413,13 +6413,13 @@
   <p:clrMapOvr>
     <a:masterClrMapping/>
   </p:clrMapOvr>
-  <mc:AlternateContent xmlns:mc="http://schemas.openxmlformats.org/markup-compatibility/2006">
-    <mc:Choice xmlns:p14="http://schemas.microsoft.com/office/powerpoint/2010/main" Requires="p14">
+  <mc:AlternateContent xmlns:mc="http://schemas.openxmlformats.org/markup-compatibility/2006" xmlns:p14="http://schemas.microsoft.com/office/powerpoint/2010/main">
+    <mc:Choice Requires="p14">
       <p:transition spd="med" p14:dur="700">
         <p:fade/>
       </p:transition>
     </mc:Choice>
-    <mc:Fallback>
+    <mc:Fallback xmlns="">
       <p:transition spd="med">
         <p:fade/>
       </p:transition>
@@ -6534,13 +6534,13 @@
   <p:clrMapOvr>
     <a:masterClrMapping/>
   </p:clrMapOvr>
-  <mc:AlternateContent xmlns:mc="http://schemas.openxmlformats.org/markup-compatibility/2006">
-    <mc:Choice xmlns:p14="http://schemas.microsoft.com/office/powerpoint/2010/main" Requires="p14">
+  <mc:AlternateContent xmlns:mc="http://schemas.openxmlformats.org/markup-compatibility/2006" xmlns:p14="http://schemas.microsoft.com/office/powerpoint/2010/main">
+    <mc:Choice Requires="p14">
       <p:transition spd="med" p14:dur="700">
         <p:fade/>
       </p:transition>
     </mc:Choice>
-    <mc:Fallback>
+    <mc:Fallback xmlns="">
       <p:transition spd="med">
         <p:fade/>
       </p:transition>
@@ -6660,13 +6660,13 @@
   <p:clrMapOvr>
     <a:masterClrMapping/>
   </p:clrMapOvr>
-  <mc:AlternateContent xmlns:mc="http://schemas.openxmlformats.org/markup-compatibility/2006">
-    <mc:Choice xmlns:p14="http://schemas.microsoft.com/office/powerpoint/2010/main" Requires="p14">
+  <mc:AlternateContent xmlns:mc="http://schemas.openxmlformats.org/markup-compatibility/2006" xmlns:p14="http://schemas.microsoft.com/office/powerpoint/2010/main">
+    <mc:Choice Requires="p14">
       <p:transition spd="med" p14:dur="700">
         <p:fade/>
       </p:transition>
     </mc:Choice>
-    <mc:Fallback>
+    <mc:Fallback xmlns="">
       <p:transition spd="med">
         <p:fade/>
       </p:transition>
@@ -6768,13 +6768,13 @@
   <p:clrMapOvr>
     <a:masterClrMapping/>
   </p:clrMapOvr>
-  <mc:AlternateContent xmlns:mc="http://schemas.openxmlformats.org/markup-compatibility/2006">
-    <mc:Choice xmlns:p14="http://schemas.microsoft.com/office/powerpoint/2010/main" Requires="p14">
+  <mc:AlternateContent xmlns:mc="http://schemas.openxmlformats.org/markup-compatibility/2006" xmlns:p14="http://schemas.microsoft.com/office/powerpoint/2010/main">
+    <mc:Choice Requires="p14">
       <p:transition spd="med" p14:dur="700">
         <p:fade/>
       </p:transition>
     </mc:Choice>
-    <mc:Fallback>
+    <mc:Fallback xmlns="">
       <p:transition spd="med">
         <p:fade/>
       </p:transition>
@@ -6871,13 +6871,13 @@
   <p:clrMapOvr>
     <a:masterClrMapping/>
   </p:clrMapOvr>
-  <mc:AlternateContent xmlns:mc="http://schemas.openxmlformats.org/markup-compatibility/2006">
-    <mc:Choice xmlns:p14="http://schemas.microsoft.com/office/powerpoint/2010/main" Requires="p14">
+  <mc:AlternateContent xmlns:mc="http://schemas.openxmlformats.org/markup-compatibility/2006" xmlns:p14="http://schemas.microsoft.com/office/powerpoint/2010/main">
+    <mc:Choice Requires="p14">
       <p:transition spd="med" p14:dur="700">
         <p:fade/>
       </p:transition>
     </mc:Choice>
-    <mc:Fallback>
+    <mc:Fallback xmlns="">
       <p:transition spd="med">
         <p:fade/>
       </p:transition>
@@ -6974,13 +6974,13 @@
   <p:clrMapOvr>
     <a:masterClrMapping/>
   </p:clrMapOvr>
-  <mc:AlternateContent xmlns:mc="http://schemas.openxmlformats.org/markup-compatibility/2006">
-    <mc:Choice xmlns:p14="http://schemas.microsoft.com/office/powerpoint/2010/main" Requires="p14">
+  <mc:AlternateContent xmlns:mc="http://schemas.openxmlformats.org/markup-compatibility/2006" xmlns:p14="http://schemas.microsoft.com/office/powerpoint/2010/main">
+    <mc:Choice Requires="p14">
       <p:transition spd="med" p14:dur="700">
         <p:fade/>
       </p:transition>
     </mc:Choice>
-    <mc:Fallback>
+    <mc:Fallback xmlns="">
       <p:transition spd="med">
         <p:fade/>
       </p:transition>
@@ -7077,13 +7077,13 @@
   <p:clrMapOvr>
     <a:masterClrMapping/>
   </p:clrMapOvr>
-  <mc:AlternateContent xmlns:mc="http://schemas.openxmlformats.org/markup-compatibility/2006">
-    <mc:Choice xmlns:p14="http://schemas.microsoft.com/office/powerpoint/2010/main" Requires="p14">
+  <mc:AlternateContent xmlns:mc="http://schemas.openxmlformats.org/markup-compatibility/2006" xmlns:p14="http://schemas.microsoft.com/office/powerpoint/2010/main">
+    <mc:Choice Requires="p14">
       <p:transition spd="med" p14:dur="700">
         <p:fade/>
       </p:transition>
     </mc:Choice>
-    <mc:Fallback>
+    <mc:Fallback xmlns="">
       <p:transition spd="med">
         <p:fade/>
       </p:transition>
